--- a/Presentation.pptx
+++ b/Presentation.pptx
@@ -13,6 +13,7 @@
     <p:sldId id="261" r:id="rId7"/>
     <p:sldId id="262" r:id="rId8"/>
     <p:sldId id="264" r:id="rId9"/>
+    <p:sldId id="265" r:id="rId10"/>
   </p:sldIdLst>
   <p:sldSz cx="12192000" cy="6858000"/>
   <p:notesSz cx="6858000" cy="9144000"/>
@@ -8689,6 +8690,194 @@
 </p:sld>
 </file>
 
+<file path=ppt/slides/slide9.xml><?xml version="1.0" encoding="utf-8"?>
+<p:sld xmlns:a="http://schemas.openxmlformats.org/drawingml/2006/main" xmlns:r="http://schemas.openxmlformats.org/officeDocument/2006/relationships" xmlns:p="http://schemas.openxmlformats.org/presentationml/2006/main">
+  <p:cSld>
+    <p:spTree>
+      <p:nvGrpSpPr>
+        <p:cNvPr id="1" name=""/>
+        <p:cNvGrpSpPr/>
+        <p:nvPr/>
+      </p:nvGrpSpPr>
+      <p:grpSpPr>
+        <a:xfrm>
+          <a:off x="0" y="0"/>
+          <a:ext cx="0" cy="0"/>
+          <a:chOff x="0" y="0"/>
+          <a:chExt cx="0" cy="0"/>
+        </a:xfrm>
+      </p:grpSpPr>
+      <p:sp>
+        <p:nvSpPr>
+          <p:cNvPr id="2" name="Title 1">
+            <a:extLst>
+              <a:ext uri="{FF2B5EF4-FFF2-40B4-BE49-F238E27FC236}">
+                <a16:creationId xmlns:a16="http://schemas.microsoft.com/office/drawing/2014/main" id="{F5C64DAF-2C58-E142-9403-C10B3941BBA8}"/>
+              </a:ext>
+            </a:extLst>
+          </p:cNvPr>
+          <p:cNvSpPr>
+            <a:spLocks noGrp="1"/>
+          </p:cNvSpPr>
+          <p:nvPr>
+            <p:ph type="title"/>
+          </p:nvPr>
+        </p:nvSpPr>
+        <p:spPr/>
+        <p:txBody>
+          <a:bodyPr/>
+          <a:lstStyle/>
+          <a:p>
+            <a:r>
+              <a:rPr lang="en-US" altLang="zh-CN" dirty="0">
+                <a:solidFill>
+                  <a:schemeClr val="tx1"/>
+                </a:solidFill>
+              </a:rPr>
+              <a:t>DISCUSSION</a:t>
+            </a:r>
+            <a:r>
+              <a:rPr lang="zh-CN" altLang="en-US" dirty="0">
+                <a:solidFill>
+                  <a:schemeClr val="tx1"/>
+                </a:solidFill>
+              </a:rPr>
+              <a:t> </a:t>
+            </a:r>
+            <a:r>
+              <a:rPr lang="en-US" altLang="zh-CN" dirty="0">
+                <a:solidFill>
+                  <a:schemeClr val="tx1"/>
+                </a:solidFill>
+              </a:rPr>
+              <a:t>AND CONCLUSIONS</a:t>
+            </a:r>
+            <a:br>
+              <a:rPr lang="zh-CN" altLang="en-US" dirty="0">
+                <a:solidFill>
+                  <a:srgbClr val="FFFFFF"/>
+                </a:solidFill>
+              </a:rPr>
+            </a:br>
+            <a:endParaRPr lang="en-US" dirty="0"/>
+          </a:p>
+        </p:txBody>
+      </p:sp>
+      <p:sp>
+        <p:nvSpPr>
+          <p:cNvPr id="3" name="Content Placeholder 2">
+            <a:extLst>
+              <a:ext uri="{FF2B5EF4-FFF2-40B4-BE49-F238E27FC236}">
+                <a16:creationId xmlns:a16="http://schemas.microsoft.com/office/drawing/2014/main" id="{ABC8DBF2-F47E-E141-8DE6-FF1412FFDB61}"/>
+              </a:ext>
+            </a:extLst>
+          </p:cNvPr>
+          <p:cNvSpPr>
+            <a:spLocks noGrp="1"/>
+          </p:cNvSpPr>
+          <p:nvPr>
+            <p:ph idx="1"/>
+          </p:nvPr>
+        </p:nvSpPr>
+        <p:spPr>
+          <a:xfrm>
+            <a:off x="1371600" y="1307939"/>
+            <a:ext cx="9601200" cy="4559461"/>
+          </a:xfrm>
+        </p:spPr>
+        <p:txBody>
+          <a:bodyPr/>
+          <a:lstStyle/>
+          <a:p>
+            <a:pPr marL="457200" indent="-457200">
+              <a:buFont typeface="Arial" panose="020B0604020202020204" pitchFamily="34" charset="0"/>
+              <a:buChar char="•"/>
+            </a:pPr>
+            <a:r>
+              <a:rPr lang="en-US" altLang="zh-CN" dirty="0">
+                <a:solidFill>
+                  <a:schemeClr val="tx1"/>
+                </a:solidFill>
+              </a:rPr>
+              <a:t>As a result of adding up images, the edges that are not present in all the pictures will turn white. Only the edges that are constant will all pictures will remain black.</a:t>
+            </a:r>
+          </a:p>
+          <a:p>
+            <a:pPr marL="457200" indent="-457200">
+              <a:buFont typeface="Arial" panose="020B0604020202020204" pitchFamily="34" charset="0"/>
+              <a:buChar char="•"/>
+            </a:pPr>
+            <a:r>
+              <a:rPr lang="en-US" altLang="zh-CN" dirty="0">
+                <a:solidFill>
+                  <a:schemeClr val="tx1"/>
+                </a:solidFill>
+              </a:rPr>
+              <a:t>Since series of iterations of erosion was performed, this approach may not detect very small dirt </a:t>
+            </a:r>
+            <a:r>
+              <a:rPr lang="en-US" altLang="zh-CN">
+                <a:solidFill>
+                  <a:schemeClr val="tx1"/>
+                </a:solidFill>
+              </a:rPr>
+              <a:t>on lens</a:t>
+            </a:r>
+          </a:p>
+          <a:p>
+            <a:pPr marL="457200" indent="-457200">
+              <a:buFont typeface="Arial" panose="020B0604020202020204" pitchFamily="34" charset="0"/>
+              <a:buChar char="•"/>
+            </a:pPr>
+            <a:r>
+              <a:rPr lang="en-US" altLang="zh-CN">
+                <a:solidFill>
+                  <a:schemeClr val="tx1"/>
+                </a:solidFill>
+              </a:rPr>
+              <a:t>  </a:t>
+            </a:r>
+            <a:r>
+              <a:rPr lang="en-US" altLang="zh-CN" dirty="0">
+                <a:solidFill>
+                  <a:schemeClr val="tx1"/>
+                </a:solidFill>
+              </a:rPr>
+              <a:t>A lot of false-positives are generated if background doesn’t change.</a:t>
+            </a:r>
+          </a:p>
+          <a:p>
+            <a:pPr marL="457200" indent="-457200">
+              <a:buFont typeface="Arial" panose="020B0604020202020204" pitchFamily="34" charset="0"/>
+              <a:buChar char="•"/>
+            </a:pPr>
+            <a:r>
+              <a:rPr lang="en-US" altLang="zh-CN" dirty="0">
+                <a:solidFill>
+                  <a:schemeClr val="tx1"/>
+                </a:solidFill>
+              </a:rPr>
+              <a:t>Can’t detect thin and transparent smears.</a:t>
+            </a:r>
+          </a:p>
+          <a:p>
+            <a:endParaRPr lang="en-US" dirty="0"/>
+          </a:p>
+        </p:txBody>
+      </p:sp>
+    </p:spTree>
+    <p:extLst>
+      <p:ext uri="{BB962C8B-B14F-4D97-AF65-F5344CB8AC3E}">
+        <p14:creationId xmlns:p14="http://schemas.microsoft.com/office/powerpoint/2010/main" val="2120106192"/>
+      </p:ext>
+    </p:extLst>
+  </p:cSld>
+  <p:clrMapOvr>
+    <a:masterClrMapping/>
+  </p:clrMapOvr>
+</p:sld>
+</file>
+
 <file path=ppt/theme/theme1.xml><?xml version="1.0" encoding="utf-8"?>
 <a:theme xmlns:a="http://schemas.openxmlformats.org/drawingml/2006/main" name="Crop">
   <a:themeElements>
